--- a/documentation/Powerpoint EDA Daniel J Walker.pptx
+++ b/documentation/Powerpoint EDA Daniel J Walker.pptx
@@ -3274,7 +3274,7 @@
         <p:spPr>
           <a:xfrm>
             <a:off x="504000" y="369720"/>
-            <a:ext cx="9070200" cy="1248840"/>
+            <a:ext cx="9069840" cy="1248480"/>
           </a:xfrm>
           <a:prstGeom prst="rect">
             <a:avLst/>
@@ -3353,7 +3353,7 @@
         <p:spPr>
           <a:xfrm>
             <a:off x="468360" y="1392120"/>
-            <a:ext cx="9070200" cy="3286800"/>
+            <a:ext cx="9069840" cy="3286440"/>
           </a:xfrm>
           <a:prstGeom prst="rect">
             <a:avLst/>
@@ -3407,7 +3407,7 @@
         <p:spPr>
           <a:xfrm>
             <a:off x="1080360" y="3642120"/>
-            <a:ext cx="3958560" cy="344880"/>
+            <a:ext cx="3958200" cy="344520"/>
           </a:xfrm>
           <a:prstGeom prst="rect">
             <a:avLst/>
@@ -3433,7 +3433,7 @@
         <p:spPr>
           <a:xfrm>
             <a:off x="540000" y="3780000"/>
-            <a:ext cx="3418920" cy="1216800"/>
+            <a:ext cx="3418560" cy="1216440"/>
           </a:xfrm>
           <a:prstGeom prst="rect">
             <a:avLst/>
@@ -3459,7 +3459,7 @@
         <p:spPr>
           <a:xfrm>
             <a:off x="540000" y="4680000"/>
-            <a:ext cx="4335480" cy="259920"/>
+            <a:ext cx="4335120" cy="259560"/>
           </a:xfrm>
           <a:prstGeom prst="rect">
             <a:avLst/>
@@ -3550,7 +3550,7 @@
         <p:spPr>
           <a:xfrm>
             <a:off x="740160" y="4219560"/>
-            <a:ext cx="5538600" cy="1359720"/>
+            <a:ext cx="5538240" cy="1359360"/>
           </a:xfrm>
           <a:prstGeom prst="rect">
             <a:avLst/>
@@ -3685,7 +3685,7 @@
         <p:spPr>
           <a:xfrm>
             <a:off x="2520000" y="1440000"/>
-            <a:ext cx="4139280" cy="1473480"/>
+            <a:ext cx="4138920" cy="1473120"/>
           </a:xfrm>
           <a:prstGeom prst="rect">
             <a:avLst/>
@@ -3794,7 +3794,7 @@
         <p:spPr>
           <a:xfrm>
             <a:off x="900000" y="3600000"/>
-            <a:ext cx="3958560" cy="344880"/>
+            <a:ext cx="3958200" cy="344520"/>
           </a:xfrm>
           <a:prstGeom prst="rect">
             <a:avLst/>
@@ -3820,7 +3820,7 @@
         <p:spPr>
           <a:xfrm>
             <a:off x="900360" y="374040"/>
-            <a:ext cx="5218560" cy="344880"/>
+            <a:ext cx="5218200" cy="344520"/>
           </a:xfrm>
           <a:prstGeom prst="rect">
             <a:avLst/>
@@ -3875,7 +3875,7 @@
         <p:spPr>
           <a:xfrm>
             <a:off x="650520" y="864000"/>
-            <a:ext cx="6118560" cy="4440240"/>
+            <a:ext cx="6118200" cy="4439880"/>
           </a:xfrm>
           <a:prstGeom prst="rect">
             <a:avLst/>
@@ -3896,7 +3896,7 @@
             <a:noAutofit/>
           </a:bodyPr>
           <a:p>
-            <a:pPr marL="216000" indent="-214920">
+            <a:pPr marL="216000" indent="-214560">
               <a:lnSpc>
                 <a:spcPct val="100000"/>
               </a:lnSpc>
@@ -3917,7 +3917,7 @@
                 <a:latin typeface="Arial"/>
                 <a:ea typeface="DejaVu Sans"/>
               </a:rPr>
-              <a:t>The availablity of “apps” and online betting have grown bookmakers or “bookies” into powerful worldwide companies.</a:t>
+              <a:t>The availability of “apps” and online betting have grown bookmakers or “bookies” into powerful worldwide companies.</a:t>
             </a:r>
             <a:endParaRPr b="0" lang="en-GB" sz="1600" spc="-1" strike="noStrike">
               <a:latin typeface="Arial"/>
@@ -3937,7 +3937,7 @@
             </a:endParaRPr>
           </a:p>
           <a:p>
-            <a:pPr marL="216000" indent="-214920">
+            <a:pPr marL="216000" indent="-214560">
               <a:lnSpc>
                 <a:spcPct val="100000"/>
               </a:lnSpc>
@@ -3978,7 +3978,7 @@
             </a:endParaRPr>
           </a:p>
           <a:p>
-            <a:pPr marL="216000" indent="-214920">
+            <a:pPr marL="216000" indent="-214560">
               <a:lnSpc>
                 <a:spcPct val="100000"/>
               </a:lnSpc>
@@ -4019,7 +4019,7 @@
             </a:endParaRPr>
           </a:p>
           <a:p>
-            <a:pPr marL="216000" indent="-214920">
+            <a:pPr marL="216000" indent="-214560">
               <a:lnSpc>
                 <a:spcPct val="100000"/>
               </a:lnSpc>
@@ -4061,7 +4061,7 @@
         <p:spPr>
           <a:xfrm>
             <a:off x="7020000" y="722520"/>
-            <a:ext cx="2455920" cy="2156040"/>
+            <a:ext cx="2455560" cy="2155680"/>
           </a:xfrm>
           <a:prstGeom prst="rect">
             <a:avLst/>
@@ -4084,7 +4084,7 @@
         <p:spPr>
           <a:xfrm>
             <a:off x="6660000" y="3240000"/>
-            <a:ext cx="3081240" cy="1618920"/>
+            <a:ext cx="3080880" cy="1618560"/>
           </a:xfrm>
           <a:prstGeom prst="rect">
             <a:avLst/>
@@ -4141,7 +4141,7 @@
         <p:spPr>
           <a:xfrm>
             <a:off x="900000" y="720000"/>
-            <a:ext cx="4318920" cy="4499280"/>
+            <a:ext cx="4318560" cy="4498920"/>
           </a:xfrm>
           <a:prstGeom prst="rect">
             <a:avLst/>
@@ -4385,7 +4385,7 @@
         <p:spPr>
           <a:xfrm>
             <a:off x="5760000" y="720000"/>
-            <a:ext cx="3834360" cy="1630440"/>
+            <a:ext cx="3834000" cy="1630080"/>
           </a:xfrm>
           <a:prstGeom prst="rect">
             <a:avLst/>
@@ -4404,7 +4404,7 @@
         <p:spPr>
           <a:xfrm>
             <a:off x="6767280" y="2881800"/>
-            <a:ext cx="1794240" cy="708840"/>
+            <a:ext cx="1793880" cy="708480"/>
           </a:xfrm>
           <a:prstGeom prst="rect">
             <a:avLst/>
@@ -4501,7 +4501,7 @@
         <p:spPr>
           <a:xfrm>
             <a:off x="900000" y="696600"/>
-            <a:ext cx="8257680" cy="3802320"/>
+            <a:ext cx="8257320" cy="3801960"/>
           </a:xfrm>
           <a:prstGeom prst="rect">
             <a:avLst/>
@@ -4524,7 +4524,7 @@
         <p:spPr>
           <a:xfrm>
             <a:off x="911160" y="4733280"/>
-            <a:ext cx="5927400" cy="665280"/>
+            <a:ext cx="5927040" cy="664920"/>
           </a:xfrm>
           <a:prstGeom prst="rect">
             <a:avLst/>
@@ -4543,7 +4543,7 @@
         <p:spPr>
           <a:xfrm>
             <a:off x="720000" y="180000"/>
-            <a:ext cx="6658920" cy="344880"/>
+            <a:ext cx="6658560" cy="344520"/>
           </a:xfrm>
           <a:prstGeom prst="rect">
             <a:avLst/>
@@ -4595,7 +4595,7 @@
         <p:spPr>
           <a:xfrm>
             <a:off x="1980000" y="1620000"/>
-            <a:ext cx="4318920" cy="358920"/>
+            <a:ext cx="4318560" cy="358560"/>
           </a:xfrm>
           <a:prstGeom prst="rect">
             <a:avLst/>
@@ -4624,7 +4624,7 @@
         <p:spPr>
           <a:xfrm>
             <a:off x="4500000" y="1620000"/>
-            <a:ext cx="1258920" cy="315000"/>
+            <a:ext cx="1258560" cy="314640"/>
           </a:xfrm>
           <a:prstGeom prst="rect">
             <a:avLst/>
@@ -4699,7 +4699,7 @@
         <p:spPr>
           <a:xfrm>
             <a:off x="7740000" y="900000"/>
-            <a:ext cx="1417680" cy="1798920"/>
+            <a:ext cx="1417320" cy="1798560"/>
           </a:xfrm>
           <a:prstGeom prst="rect">
             <a:avLst/>
@@ -4728,7 +4728,7 @@
         <p:spPr>
           <a:xfrm>
             <a:off x="6480000" y="5040000"/>
-            <a:ext cx="358920" cy="178920"/>
+            <a:ext cx="358560" cy="178560"/>
           </a:xfrm>
           <a:prstGeom prst="rect">
             <a:avLst/>
@@ -4757,7 +4757,7 @@
         <p:spPr>
           <a:xfrm>
             <a:off x="7020000" y="5040000"/>
-            <a:ext cx="1978920" cy="225000"/>
+            <a:ext cx="1978560" cy="224640"/>
           </a:xfrm>
           <a:prstGeom prst="rect">
             <a:avLst/>
@@ -4808,7 +4808,7 @@
         <p:spPr>
           <a:xfrm>
             <a:off x="8460000" y="1312920"/>
-            <a:ext cx="877680" cy="486000"/>
+            <a:ext cx="877320" cy="485640"/>
           </a:xfrm>
           <a:prstGeom prst="rect">
             <a:avLst/>
@@ -4901,7 +4901,7 @@
         <p:spPr>
           <a:xfrm>
             <a:off x="720000" y="2515320"/>
-            <a:ext cx="3418920" cy="2343600"/>
+            <a:ext cx="3418560" cy="2343240"/>
           </a:xfrm>
           <a:prstGeom prst="rect">
             <a:avLst/>
@@ -4924,7 +4924,7 @@
         <p:spPr>
           <a:xfrm>
             <a:off x="5400000" y="1080000"/>
-            <a:ext cx="3143160" cy="1258560"/>
+            <a:ext cx="3142800" cy="1258200"/>
           </a:xfrm>
           <a:prstGeom prst="rect">
             <a:avLst/>
@@ -4947,7 +4947,7 @@
         <p:spPr>
           <a:xfrm>
             <a:off x="5400000" y="2520000"/>
-            <a:ext cx="3142080" cy="1154880"/>
+            <a:ext cx="3141720" cy="1154520"/>
           </a:xfrm>
           <a:prstGeom prst="rect">
             <a:avLst/>
@@ -4970,7 +4970,7 @@
         <p:spPr>
           <a:xfrm>
             <a:off x="5400000" y="3780000"/>
-            <a:ext cx="3174480" cy="1268640"/>
+            <a:ext cx="3174120" cy="1268280"/>
           </a:xfrm>
           <a:prstGeom prst="rect">
             <a:avLst/>
@@ -4993,7 +4993,7 @@
         <p:spPr>
           <a:xfrm>
             <a:off x="720000" y="1080000"/>
-            <a:ext cx="3389040" cy="1139040"/>
+            <a:ext cx="3388680" cy="1138680"/>
           </a:xfrm>
           <a:prstGeom prst="rect">
             <a:avLst/>
@@ -5012,7 +5012,7 @@
         <p:spPr>
           <a:xfrm>
             <a:off x="720000" y="360000"/>
-            <a:ext cx="3958920" cy="311760"/>
+            <a:ext cx="3958560" cy="311400"/>
           </a:xfrm>
           <a:prstGeom prst="rect">
             <a:avLst/>
@@ -5067,7 +5067,7 @@
         <p:spPr>
           <a:xfrm>
             <a:off x="8640000" y="1800000"/>
-            <a:ext cx="898920" cy="601200"/>
+            <a:ext cx="898560" cy="600840"/>
           </a:xfrm>
           <a:prstGeom prst="rect">
             <a:avLst/>
@@ -5118,7 +5118,7 @@
         <p:spPr>
           <a:xfrm>
             <a:off x="8820000" y="4500000"/>
-            <a:ext cx="718920" cy="225000"/>
+            <a:ext cx="718560" cy="224640"/>
           </a:xfrm>
           <a:prstGeom prst="rect">
             <a:avLst/>
@@ -5169,7 +5169,7 @@
         <p:spPr>
           <a:xfrm>
             <a:off x="8640000" y="3060000"/>
-            <a:ext cx="1078920" cy="601200"/>
+            <a:ext cx="1078560" cy="600840"/>
           </a:xfrm>
           <a:prstGeom prst="rect">
             <a:avLst/>
@@ -5224,7 +5224,7 @@
         <p:spPr>
           <a:xfrm>
             <a:off x="8820000" y="3420000"/>
-            <a:ext cx="650160" cy="746280"/>
+            <a:ext cx="649800" cy="745920"/>
           </a:xfrm>
           <a:prstGeom prst="rect">
             <a:avLst/>
@@ -5285,7 +5285,7 @@
         <p:spPr>
           <a:xfrm>
             <a:off x="173160" y="900000"/>
-            <a:ext cx="5045400" cy="1702080"/>
+            <a:ext cx="5045040" cy="1701720"/>
           </a:xfrm>
           <a:prstGeom prst="rect">
             <a:avLst/>
@@ -5308,7 +5308,7 @@
         <p:spPr>
           <a:xfrm>
             <a:off x="5760000" y="900000"/>
-            <a:ext cx="3958560" cy="1759680"/>
+            <a:ext cx="3958200" cy="1759320"/>
           </a:xfrm>
           <a:prstGeom prst="rect">
             <a:avLst/>
@@ -5331,7 +5331,7 @@
         <p:spPr>
           <a:xfrm>
             <a:off x="173160" y="3060000"/>
-            <a:ext cx="5045760" cy="1618920"/>
+            <a:ext cx="5045400" cy="1618560"/>
           </a:xfrm>
           <a:prstGeom prst="rect">
             <a:avLst/>
@@ -5354,7 +5354,7 @@
         <p:spPr>
           <a:xfrm>
             <a:off x="5760000" y="3060000"/>
-            <a:ext cx="4008600" cy="1618560"/>
+            <a:ext cx="4008240" cy="1618200"/>
           </a:xfrm>
           <a:prstGeom prst="rect">
             <a:avLst/>
@@ -5373,7 +5373,7 @@
         <p:spPr>
           <a:xfrm>
             <a:off x="540000" y="180000"/>
-            <a:ext cx="4498920" cy="812880"/>
+            <a:ext cx="4498560" cy="812520"/>
           </a:xfrm>
           <a:prstGeom prst="rect">
             <a:avLst/>
@@ -5439,7 +5439,7 @@
         <p:spPr>
           <a:xfrm>
             <a:off x="7740000" y="4832640"/>
-            <a:ext cx="650160" cy="746280"/>
+            <a:ext cx="649800" cy="745920"/>
           </a:xfrm>
           <a:prstGeom prst="rect">
             <a:avLst/>
@@ -5500,7 +5500,7 @@
         <p:spPr>
           <a:xfrm>
             <a:off x="1440000" y="1080000"/>
-            <a:ext cx="6798240" cy="3418920"/>
+            <a:ext cx="6797880" cy="3418560"/>
           </a:xfrm>
           <a:prstGeom prst="rect">
             <a:avLst/>
@@ -5519,7 +5519,7 @@
         <p:spPr>
           <a:xfrm>
             <a:off x="1440000" y="360000"/>
-            <a:ext cx="4498920" cy="812880"/>
+            <a:ext cx="4498560" cy="812520"/>
           </a:xfrm>
           <a:prstGeom prst="rect">
             <a:avLst/>
@@ -5585,7 +5585,7 @@
         <p:spPr>
           <a:xfrm>
             <a:off x="8443080" y="2160000"/>
-            <a:ext cx="1265400" cy="718920"/>
+            <a:ext cx="1265040" cy="718560"/>
           </a:xfrm>
           <a:prstGeom prst="rect">
             <a:avLst/>
@@ -5646,7 +5646,7 @@
         <p:spPr>
           <a:xfrm>
             <a:off x="2147400" y="540360"/>
-            <a:ext cx="5951520" cy="3238560"/>
+            <a:ext cx="5951160" cy="3238200"/>
           </a:xfrm>
           <a:prstGeom prst="rect">
             <a:avLst/>
@@ -5669,7 +5669,7 @@
         <p:spPr>
           <a:xfrm>
             <a:off x="669960" y="3960000"/>
-            <a:ext cx="3648960" cy="1286640"/>
+            <a:ext cx="3648600" cy="1286280"/>
           </a:xfrm>
           <a:prstGeom prst="rect">
             <a:avLst/>
@@ -5692,7 +5692,7 @@
         <p:spPr>
           <a:xfrm>
             <a:off x="5915160" y="3922560"/>
-            <a:ext cx="3623760" cy="1296360"/>
+            <a:ext cx="3623400" cy="1296000"/>
           </a:xfrm>
           <a:prstGeom prst="rect">
             <a:avLst/>
@@ -5711,7 +5711,7 @@
         <p:spPr>
           <a:xfrm>
             <a:off x="540000" y="360360"/>
-            <a:ext cx="4498920" cy="812880"/>
+            <a:ext cx="4498560" cy="812520"/>
           </a:xfrm>
           <a:prstGeom prst="rect">
             <a:avLst/>
@@ -5773,7 +5773,7 @@
         <p:spPr>
           <a:xfrm>
             <a:off x="3780000" y="540360"/>
-            <a:ext cx="358920" cy="3238560"/>
+            <a:ext cx="358560" cy="3238200"/>
           </a:xfrm>
           <a:prstGeom prst="rect">
             <a:avLst/>
@@ -5802,7 +5802,7 @@
         <p:spPr>
           <a:xfrm>
             <a:off x="5940000" y="540000"/>
-            <a:ext cx="358920" cy="3238560"/>
+            <a:ext cx="358560" cy="3238200"/>
           </a:xfrm>
           <a:prstGeom prst="rect">
             <a:avLst/>
@@ -5831,7 +5831,7 @@
         <p:spPr>
           <a:xfrm>
             <a:off x="6840000" y="540360"/>
-            <a:ext cx="358920" cy="3238560"/>
+            <a:ext cx="358560" cy="3238200"/>
           </a:xfrm>
           <a:prstGeom prst="rect">
             <a:avLst/>
@@ -5860,7 +5860,7 @@
         <p:spPr>
           <a:xfrm>
             <a:off x="1080000" y="4680000"/>
-            <a:ext cx="2878920" cy="566640"/>
+            <a:ext cx="2878560" cy="566280"/>
           </a:xfrm>
           <a:prstGeom prst="ellipse">
             <a:avLst/>
@@ -5891,7 +5891,7 @@
         <p:spPr>
           <a:xfrm>
             <a:off x="6300000" y="3960000"/>
-            <a:ext cx="2878920" cy="1258920"/>
+            <a:ext cx="2878560" cy="1258560"/>
           </a:xfrm>
           <a:prstGeom prst="ellipse">
             <a:avLst/>
@@ -5922,7 +5922,7 @@
         <p:spPr>
           <a:xfrm rot="16192200">
             <a:off x="2250360" y="4797000"/>
-            <a:ext cx="538920" cy="358920"/>
+            <a:ext cx="538560" cy="358560"/>
           </a:xfrm>
           <a:custGeom>
             <a:avLst/>
@@ -5997,7 +5997,7 @@
         <p:spPr>
           <a:xfrm>
             <a:off x="669960" y="3695760"/>
-            <a:ext cx="948960" cy="263160"/>
+            <a:ext cx="948600" cy="262800"/>
           </a:xfrm>
           <a:prstGeom prst="rect">
             <a:avLst/>
@@ -6020,7 +6020,7 @@
         <p:spPr>
           <a:xfrm>
             <a:off x="8687160" y="3658320"/>
-            <a:ext cx="851760" cy="263160"/>
+            <a:ext cx="851400" cy="262800"/>
           </a:xfrm>
           <a:prstGeom prst="rect">
             <a:avLst/>
@@ -6038,8 +6038,8 @@
         </p:nvSpPr>
         <p:spPr>
           <a:xfrm rot="16192200">
-            <a:off x="7107120" y="4374000"/>
-            <a:ext cx="1259280" cy="358920"/>
+            <a:off x="7106760" y="4374360"/>
+            <a:ext cx="1258920" cy="358560"/>
           </a:xfrm>
           <a:custGeom>
             <a:avLst/>
@@ -6110,7 +6110,7 @@
         <p:spPr>
           <a:xfrm>
             <a:off x="5940000" y="540000"/>
-            <a:ext cx="358920" cy="1978920"/>
+            <a:ext cx="358560" cy="1978560"/>
           </a:xfrm>
           <a:prstGeom prst="rect">
             <a:avLst/>
@@ -6140,8 +6140,8 @@
         </p:nvSpPr>
         <p:spPr>
           <a:xfrm rot="10798800">
-            <a:off x="4500720" y="3960000"/>
-            <a:ext cx="1258920" cy="1078920"/>
+            <a:off x="4501080" y="3960000"/>
+            <a:ext cx="1258560" cy="1078560"/>
           </a:xfrm>
           <a:custGeom>
             <a:avLst/>
@@ -6304,7 +6304,7 @@
         <p:spPr>
           <a:xfrm>
             <a:off x="504000" y="226080"/>
-            <a:ext cx="9070200" cy="945000"/>
+            <a:ext cx="9069840" cy="944640"/>
           </a:xfrm>
           <a:prstGeom prst="rect">
             <a:avLst/>
@@ -6359,7 +6359,7 @@
         <p:spPr>
           <a:xfrm>
             <a:off x="504000" y="1326600"/>
-            <a:ext cx="9070200" cy="3286800"/>
+            <a:ext cx="9069840" cy="3286440"/>
           </a:xfrm>
           <a:prstGeom prst="rect">
             <a:avLst/>
@@ -6389,7 +6389,7 @@
         <p:spPr>
           <a:xfrm>
             <a:off x="2541240" y="3240000"/>
-            <a:ext cx="4658040" cy="1906920"/>
+            <a:ext cx="4657680" cy="1906560"/>
           </a:xfrm>
           <a:prstGeom prst="rect">
             <a:avLst/>
@@ -6408,7 +6408,7 @@
         <p:spPr>
           <a:xfrm>
             <a:off x="720000" y="1260000"/>
-            <a:ext cx="8459280" cy="1799280"/>
+            <a:ext cx="8458920" cy="1798920"/>
           </a:xfrm>
           <a:prstGeom prst="rect">
             <a:avLst/>

--- a/documentation/Powerpoint EDA Daniel J Walker.pptx
+++ b/documentation/Powerpoint EDA Daniel J Walker.pptx
@@ -73,8 +73,8 @@
         </p:nvSpPr>
         <p:spPr>
           <a:xfrm>
-            <a:off x="504000" y="226080"/>
-            <a:ext cx="9072000" cy="946440"/>
+            <a:off x="503640" y="225720"/>
+            <a:ext cx="9071280" cy="946440"/>
           </a:xfrm>
           <a:prstGeom prst="rect">
             <a:avLst/>
@@ -104,8 +104,8 @@
         </p:nvSpPr>
         <p:spPr>
           <a:xfrm>
-            <a:off x="504000" y="1326600"/>
-            <a:ext cx="9072000" cy="1568520"/>
+            <a:off x="503640" y="1326240"/>
+            <a:ext cx="9071280" cy="1568160"/>
           </a:xfrm>
           <a:prstGeom prst="rect">
             <a:avLst/>
@@ -134,8 +134,8 @@
         </p:nvSpPr>
         <p:spPr>
           <a:xfrm>
-            <a:off x="504000" y="3044520"/>
-            <a:ext cx="9072000" cy="1568520"/>
+            <a:off x="503640" y="3043800"/>
+            <a:ext cx="9071280" cy="1568160"/>
           </a:xfrm>
           <a:prstGeom prst="rect">
             <a:avLst/>
@@ -186,8 +186,8 @@
         </p:nvSpPr>
         <p:spPr>
           <a:xfrm>
-            <a:off x="504000" y="226080"/>
-            <a:ext cx="9072000" cy="946440"/>
+            <a:off x="503640" y="225720"/>
+            <a:ext cx="9071280" cy="946440"/>
           </a:xfrm>
           <a:prstGeom prst="rect">
             <a:avLst/>
@@ -217,8 +217,8 @@
         </p:nvSpPr>
         <p:spPr>
           <a:xfrm>
-            <a:off x="504000" y="1326600"/>
-            <a:ext cx="4426920" cy="1568520"/>
+            <a:off x="503640" y="1326240"/>
+            <a:ext cx="4426560" cy="1568160"/>
           </a:xfrm>
           <a:prstGeom prst="rect">
             <a:avLst/>
@@ -247,8 +247,8 @@
         </p:nvSpPr>
         <p:spPr>
           <a:xfrm>
-            <a:off x="5152680" y="1326600"/>
-            <a:ext cx="4426920" cy="1568520"/>
+            <a:off x="5151960" y="1326240"/>
+            <a:ext cx="4426560" cy="1568160"/>
           </a:xfrm>
           <a:prstGeom prst="rect">
             <a:avLst/>
@@ -277,8 +277,8 @@
         </p:nvSpPr>
         <p:spPr>
           <a:xfrm>
-            <a:off x="504000" y="3044520"/>
-            <a:ext cx="4426920" cy="1568520"/>
+            <a:off x="503640" y="3043800"/>
+            <a:ext cx="4426560" cy="1568160"/>
           </a:xfrm>
           <a:prstGeom prst="rect">
             <a:avLst/>
@@ -307,8 +307,8 @@
         </p:nvSpPr>
         <p:spPr>
           <a:xfrm>
-            <a:off x="5152680" y="3044520"/>
-            <a:ext cx="4426920" cy="1568520"/>
+            <a:off x="5151960" y="3043800"/>
+            <a:ext cx="4426560" cy="1568160"/>
           </a:xfrm>
           <a:prstGeom prst="rect">
             <a:avLst/>
@@ -359,8 +359,8 @@
         </p:nvSpPr>
         <p:spPr>
           <a:xfrm>
-            <a:off x="504000" y="226080"/>
-            <a:ext cx="9072000" cy="946440"/>
+            <a:off x="503640" y="225720"/>
+            <a:ext cx="9071280" cy="946440"/>
           </a:xfrm>
           <a:prstGeom prst="rect">
             <a:avLst/>
@@ -390,8 +390,8 @@
         </p:nvSpPr>
         <p:spPr>
           <a:xfrm>
-            <a:off x="504000" y="1326600"/>
-            <a:ext cx="2921040" cy="1568520"/>
+            <a:off x="503640" y="1326240"/>
+            <a:ext cx="2920680" cy="1568160"/>
           </a:xfrm>
           <a:prstGeom prst="rect">
             <a:avLst/>
@@ -420,8 +420,8 @@
         </p:nvSpPr>
         <p:spPr>
           <a:xfrm>
-            <a:off x="3571560" y="1326600"/>
-            <a:ext cx="2921040" cy="1568520"/>
+            <a:off x="3570840" y="1326240"/>
+            <a:ext cx="2920680" cy="1568160"/>
           </a:xfrm>
           <a:prstGeom prst="rect">
             <a:avLst/>
@@ -450,8 +450,8 @@
         </p:nvSpPr>
         <p:spPr>
           <a:xfrm>
-            <a:off x="6639120" y="1326600"/>
-            <a:ext cx="2921040" cy="1568520"/>
+            <a:off x="6637680" y="1326240"/>
+            <a:ext cx="2920680" cy="1568160"/>
           </a:xfrm>
           <a:prstGeom prst="rect">
             <a:avLst/>
@@ -480,8 +480,8 @@
         </p:nvSpPr>
         <p:spPr>
           <a:xfrm>
-            <a:off x="504000" y="3044520"/>
-            <a:ext cx="2921040" cy="1568520"/>
+            <a:off x="503640" y="3043800"/>
+            <a:ext cx="2920680" cy="1568160"/>
           </a:xfrm>
           <a:prstGeom prst="rect">
             <a:avLst/>
@@ -510,8 +510,8 @@
         </p:nvSpPr>
         <p:spPr>
           <a:xfrm>
-            <a:off x="3571560" y="3044520"/>
-            <a:ext cx="2921040" cy="1568520"/>
+            <a:off x="3570840" y="3043800"/>
+            <a:ext cx="2920680" cy="1568160"/>
           </a:xfrm>
           <a:prstGeom prst="rect">
             <a:avLst/>
@@ -540,8 +540,8 @@
         </p:nvSpPr>
         <p:spPr>
           <a:xfrm>
-            <a:off x="6639120" y="3044520"/>
-            <a:ext cx="2921040" cy="1568520"/>
+            <a:off x="6637680" y="3043800"/>
+            <a:ext cx="2920680" cy="1568160"/>
           </a:xfrm>
           <a:prstGeom prst="rect">
             <a:avLst/>
@@ -614,8 +614,8 @@
         </p:nvSpPr>
         <p:spPr>
           <a:xfrm>
-            <a:off x="504000" y="226080"/>
-            <a:ext cx="9072000" cy="946440"/>
+            <a:off x="503640" y="225720"/>
+            <a:ext cx="9071280" cy="946440"/>
           </a:xfrm>
           <a:prstGeom prst="rect">
             <a:avLst/>
@@ -645,8 +645,8 @@
         </p:nvSpPr>
         <p:spPr>
           <a:xfrm>
-            <a:off x="504000" y="1326600"/>
-            <a:ext cx="9072000" cy="3288600"/>
+            <a:off x="503640" y="1326240"/>
+            <a:ext cx="9071280" cy="3288240"/>
           </a:xfrm>
           <a:prstGeom prst="rect">
             <a:avLst/>
@@ -698,8 +698,8 @@
         </p:nvSpPr>
         <p:spPr>
           <a:xfrm>
-            <a:off x="504000" y="226080"/>
-            <a:ext cx="9072000" cy="946440"/>
+            <a:off x="503640" y="225720"/>
+            <a:ext cx="9071280" cy="946440"/>
           </a:xfrm>
           <a:prstGeom prst="rect">
             <a:avLst/>
@@ -729,8 +729,8 @@
         </p:nvSpPr>
         <p:spPr>
           <a:xfrm>
-            <a:off x="504000" y="1326600"/>
-            <a:ext cx="9072000" cy="3288600"/>
+            <a:off x="503640" y="1326240"/>
+            <a:ext cx="9071280" cy="3288240"/>
           </a:xfrm>
           <a:prstGeom prst="rect">
             <a:avLst/>
@@ -781,8 +781,8 @@
         </p:nvSpPr>
         <p:spPr>
           <a:xfrm>
-            <a:off x="504000" y="226080"/>
-            <a:ext cx="9072000" cy="946440"/>
+            <a:off x="503640" y="225720"/>
+            <a:ext cx="9071280" cy="946440"/>
           </a:xfrm>
           <a:prstGeom prst="rect">
             <a:avLst/>
@@ -812,8 +812,8 @@
         </p:nvSpPr>
         <p:spPr>
           <a:xfrm>
-            <a:off x="504000" y="1326600"/>
-            <a:ext cx="4426920" cy="3288600"/>
+            <a:off x="503640" y="1326240"/>
+            <a:ext cx="4426560" cy="3288240"/>
           </a:xfrm>
           <a:prstGeom prst="rect">
             <a:avLst/>
@@ -842,8 +842,8 @@
         </p:nvSpPr>
         <p:spPr>
           <a:xfrm>
-            <a:off x="5152680" y="1326600"/>
-            <a:ext cx="4426920" cy="3288600"/>
+            <a:off x="5151960" y="1326240"/>
+            <a:ext cx="4426560" cy="3288240"/>
           </a:xfrm>
           <a:prstGeom prst="rect">
             <a:avLst/>
@@ -894,8 +894,8 @@
         </p:nvSpPr>
         <p:spPr>
           <a:xfrm>
-            <a:off x="504000" y="226080"/>
-            <a:ext cx="9072000" cy="946440"/>
+            <a:off x="503640" y="225720"/>
+            <a:ext cx="9071280" cy="946440"/>
           </a:xfrm>
           <a:prstGeom prst="rect">
             <a:avLst/>
@@ -947,8 +947,8 @@
         </p:nvSpPr>
         <p:spPr>
           <a:xfrm>
-            <a:off x="504000" y="226080"/>
-            <a:ext cx="9072000" cy="4388400"/>
+            <a:off x="503640" y="225720"/>
+            <a:ext cx="9071280" cy="4388400"/>
           </a:xfrm>
           <a:prstGeom prst="rect">
             <a:avLst/>
@@ -1000,8 +1000,8 @@
         </p:nvSpPr>
         <p:spPr>
           <a:xfrm>
-            <a:off x="504000" y="226080"/>
-            <a:ext cx="9072000" cy="946440"/>
+            <a:off x="503640" y="225720"/>
+            <a:ext cx="9071280" cy="946440"/>
           </a:xfrm>
           <a:prstGeom prst="rect">
             <a:avLst/>
@@ -1031,8 +1031,8 @@
         </p:nvSpPr>
         <p:spPr>
           <a:xfrm>
-            <a:off x="504000" y="1326600"/>
-            <a:ext cx="4426920" cy="1568520"/>
+            <a:off x="503640" y="1326240"/>
+            <a:ext cx="4426560" cy="1568160"/>
           </a:xfrm>
           <a:prstGeom prst="rect">
             <a:avLst/>
@@ -1061,8 +1061,8 @@
         </p:nvSpPr>
         <p:spPr>
           <a:xfrm>
-            <a:off x="5152680" y="1326600"/>
-            <a:ext cx="4426920" cy="3288600"/>
+            <a:off x="5151960" y="1326240"/>
+            <a:ext cx="4426560" cy="3288240"/>
           </a:xfrm>
           <a:prstGeom prst="rect">
             <a:avLst/>
@@ -1091,8 +1091,8 @@
         </p:nvSpPr>
         <p:spPr>
           <a:xfrm>
-            <a:off x="504000" y="3044520"/>
-            <a:ext cx="4426920" cy="1568520"/>
+            <a:off x="503640" y="3043800"/>
+            <a:ext cx="4426560" cy="1568160"/>
           </a:xfrm>
           <a:prstGeom prst="rect">
             <a:avLst/>
@@ -1143,8 +1143,8 @@
         </p:nvSpPr>
         <p:spPr>
           <a:xfrm>
-            <a:off x="504000" y="226080"/>
-            <a:ext cx="9072000" cy="946440"/>
+            <a:off x="503640" y="225720"/>
+            <a:ext cx="9071280" cy="946440"/>
           </a:xfrm>
           <a:prstGeom prst="rect">
             <a:avLst/>
@@ -1174,8 +1174,8 @@
         </p:nvSpPr>
         <p:spPr>
           <a:xfrm>
-            <a:off x="504000" y="1326600"/>
-            <a:ext cx="9072000" cy="3288600"/>
+            <a:off x="503640" y="1326240"/>
+            <a:ext cx="9071280" cy="3288240"/>
           </a:xfrm>
           <a:prstGeom prst="rect">
             <a:avLst/>
@@ -1227,8 +1227,8 @@
         </p:nvSpPr>
         <p:spPr>
           <a:xfrm>
-            <a:off x="504000" y="226080"/>
-            <a:ext cx="9072000" cy="946440"/>
+            <a:off x="503640" y="225720"/>
+            <a:ext cx="9071280" cy="946440"/>
           </a:xfrm>
           <a:prstGeom prst="rect">
             <a:avLst/>
@@ -1258,8 +1258,8 @@
         </p:nvSpPr>
         <p:spPr>
           <a:xfrm>
-            <a:off x="504000" y="1326600"/>
-            <a:ext cx="4426920" cy="3288600"/>
+            <a:off x="503640" y="1326240"/>
+            <a:ext cx="4426560" cy="3288240"/>
           </a:xfrm>
           <a:prstGeom prst="rect">
             <a:avLst/>
@@ -1288,8 +1288,8 @@
         </p:nvSpPr>
         <p:spPr>
           <a:xfrm>
-            <a:off x="5152680" y="1326600"/>
-            <a:ext cx="4426920" cy="1568520"/>
+            <a:off x="5151960" y="1326240"/>
+            <a:ext cx="4426560" cy="1568160"/>
           </a:xfrm>
           <a:prstGeom prst="rect">
             <a:avLst/>
@@ -1318,8 +1318,8 @@
         </p:nvSpPr>
         <p:spPr>
           <a:xfrm>
-            <a:off x="5152680" y="3044520"/>
-            <a:ext cx="4426920" cy="1568520"/>
+            <a:off x="5151960" y="3043800"/>
+            <a:ext cx="4426560" cy="1568160"/>
           </a:xfrm>
           <a:prstGeom prst="rect">
             <a:avLst/>
@@ -1370,8 +1370,8 @@
         </p:nvSpPr>
         <p:spPr>
           <a:xfrm>
-            <a:off x="504000" y="226080"/>
-            <a:ext cx="9072000" cy="946440"/>
+            <a:off x="503640" y="225720"/>
+            <a:ext cx="9071280" cy="946440"/>
           </a:xfrm>
           <a:prstGeom prst="rect">
             <a:avLst/>
@@ -1401,8 +1401,8 @@
         </p:nvSpPr>
         <p:spPr>
           <a:xfrm>
-            <a:off x="504000" y="1326600"/>
-            <a:ext cx="4426920" cy="1568520"/>
+            <a:off x="503640" y="1326240"/>
+            <a:ext cx="4426560" cy="1568160"/>
           </a:xfrm>
           <a:prstGeom prst="rect">
             <a:avLst/>
@@ -1431,8 +1431,8 @@
         </p:nvSpPr>
         <p:spPr>
           <a:xfrm>
-            <a:off x="5152680" y="1326600"/>
-            <a:ext cx="4426920" cy="1568520"/>
+            <a:off x="5151960" y="1326240"/>
+            <a:ext cx="4426560" cy="1568160"/>
           </a:xfrm>
           <a:prstGeom prst="rect">
             <a:avLst/>
@@ -1461,8 +1461,8 @@
         </p:nvSpPr>
         <p:spPr>
           <a:xfrm>
-            <a:off x="504000" y="3044520"/>
-            <a:ext cx="9072000" cy="1568520"/>
+            <a:off x="503640" y="3043800"/>
+            <a:ext cx="9071280" cy="1568160"/>
           </a:xfrm>
           <a:prstGeom prst="rect">
             <a:avLst/>
@@ -1513,8 +1513,8 @@
         </p:nvSpPr>
         <p:spPr>
           <a:xfrm>
-            <a:off x="504000" y="226080"/>
-            <a:ext cx="9072000" cy="946440"/>
+            <a:off x="503640" y="225720"/>
+            <a:ext cx="9071280" cy="946440"/>
           </a:xfrm>
           <a:prstGeom prst="rect">
             <a:avLst/>
@@ -1544,8 +1544,8 @@
         </p:nvSpPr>
         <p:spPr>
           <a:xfrm>
-            <a:off x="504000" y="1326600"/>
-            <a:ext cx="9072000" cy="1568520"/>
+            <a:off x="503640" y="1326240"/>
+            <a:ext cx="9071280" cy="1568160"/>
           </a:xfrm>
           <a:prstGeom prst="rect">
             <a:avLst/>
@@ -1574,8 +1574,8 @@
         </p:nvSpPr>
         <p:spPr>
           <a:xfrm>
-            <a:off x="504000" y="3044520"/>
-            <a:ext cx="9072000" cy="1568520"/>
+            <a:off x="503640" y="3043800"/>
+            <a:ext cx="9071280" cy="1568160"/>
           </a:xfrm>
           <a:prstGeom prst="rect">
             <a:avLst/>
@@ -1626,8 +1626,8 @@
         </p:nvSpPr>
         <p:spPr>
           <a:xfrm>
-            <a:off x="504000" y="226080"/>
-            <a:ext cx="9072000" cy="946440"/>
+            <a:off x="503640" y="225720"/>
+            <a:ext cx="9071280" cy="946440"/>
           </a:xfrm>
           <a:prstGeom prst="rect">
             <a:avLst/>
@@ -1657,8 +1657,8 @@
         </p:nvSpPr>
         <p:spPr>
           <a:xfrm>
-            <a:off x="504000" y="1326600"/>
-            <a:ext cx="4426920" cy="1568520"/>
+            <a:off x="503640" y="1326240"/>
+            <a:ext cx="4426560" cy="1568160"/>
           </a:xfrm>
           <a:prstGeom prst="rect">
             <a:avLst/>
@@ -1687,8 +1687,8 @@
         </p:nvSpPr>
         <p:spPr>
           <a:xfrm>
-            <a:off x="5152680" y="1326600"/>
-            <a:ext cx="4426920" cy="1568520"/>
+            <a:off x="5151960" y="1326240"/>
+            <a:ext cx="4426560" cy="1568160"/>
           </a:xfrm>
           <a:prstGeom prst="rect">
             <a:avLst/>
@@ -1717,8 +1717,8 @@
         </p:nvSpPr>
         <p:spPr>
           <a:xfrm>
-            <a:off x="504000" y="3044520"/>
-            <a:ext cx="4426920" cy="1568520"/>
+            <a:off x="503640" y="3043800"/>
+            <a:ext cx="4426560" cy="1568160"/>
           </a:xfrm>
           <a:prstGeom prst="rect">
             <a:avLst/>
@@ -1747,8 +1747,8 @@
         </p:nvSpPr>
         <p:spPr>
           <a:xfrm>
-            <a:off x="5152680" y="3044520"/>
-            <a:ext cx="4426920" cy="1568520"/>
+            <a:off x="5151960" y="3043800"/>
+            <a:ext cx="4426560" cy="1568160"/>
           </a:xfrm>
           <a:prstGeom prst="rect">
             <a:avLst/>
@@ -1799,8 +1799,8 @@
         </p:nvSpPr>
         <p:spPr>
           <a:xfrm>
-            <a:off x="504000" y="226080"/>
-            <a:ext cx="9072000" cy="946440"/>
+            <a:off x="503640" y="225720"/>
+            <a:ext cx="9071280" cy="946440"/>
           </a:xfrm>
           <a:prstGeom prst="rect">
             <a:avLst/>
@@ -1830,8 +1830,8 @@
         </p:nvSpPr>
         <p:spPr>
           <a:xfrm>
-            <a:off x="504000" y="1326600"/>
-            <a:ext cx="2921040" cy="1568520"/>
+            <a:off x="503640" y="1326240"/>
+            <a:ext cx="2920680" cy="1568160"/>
           </a:xfrm>
           <a:prstGeom prst="rect">
             <a:avLst/>
@@ -1860,8 +1860,8 @@
         </p:nvSpPr>
         <p:spPr>
           <a:xfrm>
-            <a:off x="3571560" y="1326600"/>
-            <a:ext cx="2921040" cy="1568520"/>
+            <a:off x="3570840" y="1326240"/>
+            <a:ext cx="2920680" cy="1568160"/>
           </a:xfrm>
           <a:prstGeom prst="rect">
             <a:avLst/>
@@ -1890,8 +1890,8 @@
         </p:nvSpPr>
         <p:spPr>
           <a:xfrm>
-            <a:off x="6639120" y="1326600"/>
-            <a:ext cx="2921040" cy="1568520"/>
+            <a:off x="6637680" y="1326240"/>
+            <a:ext cx="2920680" cy="1568160"/>
           </a:xfrm>
           <a:prstGeom prst="rect">
             <a:avLst/>
@@ -1920,8 +1920,8 @@
         </p:nvSpPr>
         <p:spPr>
           <a:xfrm>
-            <a:off x="504000" y="3044520"/>
-            <a:ext cx="2921040" cy="1568520"/>
+            <a:off x="503640" y="3043800"/>
+            <a:ext cx="2920680" cy="1568160"/>
           </a:xfrm>
           <a:prstGeom prst="rect">
             <a:avLst/>
@@ -1950,8 +1950,8 @@
         </p:nvSpPr>
         <p:spPr>
           <a:xfrm>
-            <a:off x="3571560" y="3044520"/>
-            <a:ext cx="2921040" cy="1568520"/>
+            <a:off x="3570840" y="3043800"/>
+            <a:ext cx="2920680" cy="1568160"/>
           </a:xfrm>
           <a:prstGeom prst="rect">
             <a:avLst/>
@@ -1980,8 +1980,8 @@
         </p:nvSpPr>
         <p:spPr>
           <a:xfrm>
-            <a:off x="6639120" y="3044520"/>
-            <a:ext cx="2921040" cy="1568520"/>
+            <a:off x="6637680" y="3043800"/>
+            <a:ext cx="2920680" cy="1568160"/>
           </a:xfrm>
           <a:prstGeom prst="rect">
             <a:avLst/>
@@ -2032,8 +2032,8 @@
         </p:nvSpPr>
         <p:spPr>
           <a:xfrm>
-            <a:off x="504000" y="226080"/>
-            <a:ext cx="9072000" cy="946440"/>
+            <a:off x="503640" y="225720"/>
+            <a:ext cx="9071280" cy="946440"/>
           </a:xfrm>
           <a:prstGeom prst="rect">
             <a:avLst/>
@@ -2063,8 +2063,8 @@
         </p:nvSpPr>
         <p:spPr>
           <a:xfrm>
-            <a:off x="504000" y="1326600"/>
-            <a:ext cx="9072000" cy="3288600"/>
+            <a:off x="503640" y="1326240"/>
+            <a:ext cx="9071280" cy="3288240"/>
           </a:xfrm>
           <a:prstGeom prst="rect">
             <a:avLst/>
@@ -2115,8 +2115,8 @@
         </p:nvSpPr>
         <p:spPr>
           <a:xfrm>
-            <a:off x="504000" y="226080"/>
-            <a:ext cx="9072000" cy="946440"/>
+            <a:off x="503640" y="225720"/>
+            <a:ext cx="9071280" cy="946440"/>
           </a:xfrm>
           <a:prstGeom prst="rect">
             <a:avLst/>
@@ -2146,8 +2146,8 @@
         </p:nvSpPr>
         <p:spPr>
           <a:xfrm>
-            <a:off x="504000" y="1326600"/>
-            <a:ext cx="4426920" cy="3288600"/>
+            <a:off x="503640" y="1326240"/>
+            <a:ext cx="4426560" cy="3288240"/>
           </a:xfrm>
           <a:prstGeom prst="rect">
             <a:avLst/>
@@ -2176,8 +2176,8 @@
         </p:nvSpPr>
         <p:spPr>
           <a:xfrm>
-            <a:off x="5152680" y="1326600"/>
-            <a:ext cx="4426920" cy="3288600"/>
+            <a:off x="5151960" y="1326240"/>
+            <a:ext cx="4426560" cy="3288240"/>
           </a:xfrm>
           <a:prstGeom prst="rect">
             <a:avLst/>
@@ -2228,8 +2228,8 @@
         </p:nvSpPr>
         <p:spPr>
           <a:xfrm>
-            <a:off x="504000" y="226080"/>
-            <a:ext cx="9072000" cy="946440"/>
+            <a:off x="503640" y="225720"/>
+            <a:ext cx="9071280" cy="946440"/>
           </a:xfrm>
           <a:prstGeom prst="rect">
             <a:avLst/>
@@ -2281,8 +2281,8 @@
         </p:nvSpPr>
         <p:spPr>
           <a:xfrm>
-            <a:off x="504000" y="226080"/>
-            <a:ext cx="9072000" cy="4388400"/>
+            <a:off x="503640" y="225720"/>
+            <a:ext cx="9071280" cy="4388400"/>
           </a:xfrm>
           <a:prstGeom prst="rect">
             <a:avLst/>
@@ -2334,8 +2334,8 @@
         </p:nvSpPr>
         <p:spPr>
           <a:xfrm>
-            <a:off x="504000" y="226080"/>
-            <a:ext cx="9072000" cy="946440"/>
+            <a:off x="503640" y="225720"/>
+            <a:ext cx="9071280" cy="946440"/>
           </a:xfrm>
           <a:prstGeom prst="rect">
             <a:avLst/>
@@ -2365,8 +2365,8 @@
         </p:nvSpPr>
         <p:spPr>
           <a:xfrm>
-            <a:off x="504000" y="1326600"/>
-            <a:ext cx="4426920" cy="1568520"/>
+            <a:off x="503640" y="1326240"/>
+            <a:ext cx="4426560" cy="1568160"/>
           </a:xfrm>
           <a:prstGeom prst="rect">
             <a:avLst/>
@@ -2395,8 +2395,8 @@
         </p:nvSpPr>
         <p:spPr>
           <a:xfrm>
-            <a:off x="5152680" y="1326600"/>
-            <a:ext cx="4426920" cy="3288600"/>
+            <a:off x="5151960" y="1326240"/>
+            <a:ext cx="4426560" cy="3288240"/>
           </a:xfrm>
           <a:prstGeom prst="rect">
             <a:avLst/>
@@ -2425,8 +2425,8 @@
         </p:nvSpPr>
         <p:spPr>
           <a:xfrm>
-            <a:off x="504000" y="3044520"/>
-            <a:ext cx="4426920" cy="1568520"/>
+            <a:off x="503640" y="3043800"/>
+            <a:ext cx="4426560" cy="1568160"/>
           </a:xfrm>
           <a:prstGeom prst="rect">
             <a:avLst/>
@@ -2477,8 +2477,8 @@
         </p:nvSpPr>
         <p:spPr>
           <a:xfrm>
-            <a:off x="504000" y="226080"/>
-            <a:ext cx="9072000" cy="946440"/>
+            <a:off x="503640" y="225720"/>
+            <a:ext cx="9071280" cy="946440"/>
           </a:xfrm>
           <a:prstGeom prst="rect">
             <a:avLst/>
@@ -2508,8 +2508,8 @@
         </p:nvSpPr>
         <p:spPr>
           <a:xfrm>
-            <a:off x="504000" y="1326600"/>
-            <a:ext cx="4426920" cy="3288600"/>
+            <a:off x="503640" y="1326240"/>
+            <a:ext cx="4426560" cy="3288240"/>
           </a:xfrm>
           <a:prstGeom prst="rect">
             <a:avLst/>
@@ -2538,8 +2538,8 @@
         </p:nvSpPr>
         <p:spPr>
           <a:xfrm>
-            <a:off x="5152680" y="1326600"/>
-            <a:ext cx="4426920" cy="1568520"/>
+            <a:off x="5151960" y="1326240"/>
+            <a:ext cx="4426560" cy="1568160"/>
           </a:xfrm>
           <a:prstGeom prst="rect">
             <a:avLst/>
@@ -2568,8 +2568,8 @@
         </p:nvSpPr>
         <p:spPr>
           <a:xfrm>
-            <a:off x="5152680" y="3044520"/>
-            <a:ext cx="4426920" cy="1568520"/>
+            <a:off x="5151960" y="3043800"/>
+            <a:ext cx="4426560" cy="1568160"/>
           </a:xfrm>
           <a:prstGeom prst="rect">
             <a:avLst/>
@@ -2620,8 +2620,8 @@
         </p:nvSpPr>
         <p:spPr>
           <a:xfrm>
-            <a:off x="504000" y="226080"/>
-            <a:ext cx="9072000" cy="946440"/>
+            <a:off x="503640" y="225720"/>
+            <a:ext cx="9071280" cy="946440"/>
           </a:xfrm>
           <a:prstGeom prst="rect">
             <a:avLst/>
@@ -2651,8 +2651,8 @@
         </p:nvSpPr>
         <p:spPr>
           <a:xfrm>
-            <a:off x="504000" y="1326600"/>
-            <a:ext cx="4426920" cy="1568520"/>
+            <a:off x="503640" y="1326240"/>
+            <a:ext cx="4426560" cy="1568160"/>
           </a:xfrm>
           <a:prstGeom prst="rect">
             <a:avLst/>
@@ -2681,8 +2681,8 @@
         </p:nvSpPr>
         <p:spPr>
           <a:xfrm>
-            <a:off x="5152680" y="1326600"/>
-            <a:ext cx="4426920" cy="1568520"/>
+            <a:off x="5151960" y="1326240"/>
+            <a:ext cx="4426560" cy="1568160"/>
           </a:xfrm>
           <a:prstGeom prst="rect">
             <a:avLst/>
@@ -2711,8 +2711,8 @@
         </p:nvSpPr>
         <p:spPr>
           <a:xfrm>
-            <a:off x="504000" y="3044520"/>
-            <a:ext cx="9072000" cy="1568520"/>
+            <a:off x="503640" y="3043800"/>
+            <a:ext cx="9071280" cy="1568160"/>
           </a:xfrm>
           <a:prstGeom prst="rect">
             <a:avLst/>
@@ -2763,8 +2763,8 @@
         </p:nvSpPr>
         <p:spPr>
           <a:xfrm>
-            <a:off x="504000" y="226080"/>
-            <a:ext cx="9072000" cy="946440"/>
+            <a:off x="503640" y="225720"/>
+            <a:ext cx="9071280" cy="946440"/>
           </a:xfrm>
           <a:prstGeom prst="rect">
             <a:avLst/>
@@ -2800,8 +2800,8 @@
         </p:nvSpPr>
         <p:spPr>
           <a:xfrm>
-            <a:off x="504000" y="1326600"/>
-            <a:ext cx="9072000" cy="3288600"/>
+            <a:off x="503640" y="1326240"/>
+            <a:ext cx="9071280" cy="3288240"/>
           </a:xfrm>
           <a:prstGeom prst="rect">
             <a:avLst/>
@@ -2814,7 +2814,7 @@
           <a:p>
             <a:pPr marL="432000" indent="-324000">
               <a:spcBef>
-                <a:spcPts val="1417"/>
+                <a:spcPts val="1414"/>
               </a:spcBef>
               <a:buClr>
                 <a:srgbClr val="000000"/>
@@ -2836,7 +2836,7 @@
           <a:p>
             <a:pPr lvl="1" marL="864000" indent="-324000">
               <a:spcBef>
-                <a:spcPts val="1134"/>
+                <a:spcPts val="1131"/>
               </a:spcBef>
               <a:buClr>
                 <a:srgbClr val="000000"/>
@@ -2858,7 +2858,7 @@
           <a:p>
             <a:pPr lvl="2" marL="1296000" indent="-288000">
               <a:spcBef>
-                <a:spcPts val="850"/>
+                <a:spcPts val="848"/>
               </a:spcBef>
               <a:buClr>
                 <a:srgbClr val="000000"/>
@@ -2880,7 +2880,7 @@
           <a:p>
             <a:pPr lvl="3" marL="1728000" indent="-216000">
               <a:spcBef>
-                <a:spcPts val="567"/>
+                <a:spcPts val="564"/>
               </a:spcBef>
               <a:buClr>
                 <a:srgbClr val="000000"/>
@@ -2902,7 +2902,7 @@
           <a:p>
             <a:pPr lvl="4" marL="2160000" indent="-216000">
               <a:spcBef>
-                <a:spcPts val="283"/>
+                <a:spcPts val="281"/>
               </a:spcBef>
               <a:buClr>
                 <a:srgbClr val="000000"/>
@@ -2924,7 +2924,7 @@
           <a:p>
             <a:pPr lvl="5" marL="2592000" indent="-216000">
               <a:spcBef>
-                <a:spcPts val="283"/>
+                <a:spcPts val="281"/>
               </a:spcBef>
               <a:buClr>
                 <a:srgbClr val="000000"/>
@@ -2946,7 +2946,7 @@
           <a:p>
             <a:pPr lvl="6" marL="3024000" indent="-216000">
               <a:spcBef>
-                <a:spcPts val="283"/>
+                <a:spcPts val="281"/>
               </a:spcBef>
               <a:buClr>
                 <a:srgbClr val="000000"/>
@@ -3016,8 +3016,8 @@
         </p:nvSpPr>
         <p:spPr>
           <a:xfrm>
-            <a:off x="504000" y="226080"/>
-            <a:ext cx="9072000" cy="946440"/>
+            <a:off x="503640" y="225720"/>
+            <a:ext cx="9071280" cy="946440"/>
           </a:xfrm>
           <a:prstGeom prst="rect">
             <a:avLst/>
@@ -3053,8 +3053,8 @@
         </p:nvSpPr>
         <p:spPr>
           <a:xfrm>
-            <a:off x="504000" y="1326600"/>
-            <a:ext cx="9072000" cy="3288600"/>
+            <a:off x="503640" y="1326240"/>
+            <a:ext cx="9071280" cy="3288240"/>
           </a:xfrm>
           <a:prstGeom prst="rect">
             <a:avLst/>
@@ -3067,7 +3067,7 @@
           <a:p>
             <a:pPr marL="432000" indent="-324000">
               <a:spcBef>
-                <a:spcPts val="1417"/>
+                <a:spcPts val="1414"/>
               </a:spcBef>
               <a:buClr>
                 <a:srgbClr val="000000"/>
@@ -3089,7 +3089,7 @@
           <a:p>
             <a:pPr lvl="1" marL="864000" indent="-324000">
               <a:spcBef>
-                <a:spcPts val="1134"/>
+                <a:spcPts val="1131"/>
               </a:spcBef>
               <a:buClr>
                 <a:srgbClr val="000000"/>
@@ -3111,7 +3111,7 @@
           <a:p>
             <a:pPr lvl="2" marL="1296000" indent="-288000">
               <a:spcBef>
-                <a:spcPts val="850"/>
+                <a:spcPts val="848"/>
               </a:spcBef>
               <a:buClr>
                 <a:srgbClr val="000000"/>
@@ -3133,7 +3133,7 @@
           <a:p>
             <a:pPr lvl="3" marL="1728000" indent="-216000">
               <a:spcBef>
-                <a:spcPts val="567"/>
+                <a:spcPts val="564"/>
               </a:spcBef>
               <a:buClr>
                 <a:srgbClr val="000000"/>
@@ -3155,7 +3155,7 @@
           <a:p>
             <a:pPr lvl="4" marL="2160000" indent="-216000">
               <a:spcBef>
-                <a:spcPts val="283"/>
+                <a:spcPts val="281"/>
               </a:spcBef>
               <a:buClr>
                 <a:srgbClr val="000000"/>
@@ -3177,7 +3177,7 @@
           <a:p>
             <a:pPr lvl="5" marL="2592000" indent="-216000">
               <a:spcBef>
-                <a:spcPts val="283"/>
+                <a:spcPts val="281"/>
               </a:spcBef>
               <a:buClr>
                 <a:srgbClr val="000000"/>
@@ -3199,7 +3199,7 @@
           <a:p>
             <a:pPr lvl="6" marL="3024000" indent="-216000">
               <a:spcBef>
-                <a:spcPts val="283"/>
+                <a:spcPts val="281"/>
               </a:spcBef>
               <a:buClr>
                 <a:srgbClr val="000000"/>
@@ -3273,8 +3273,8 @@
         </p:nvSpPr>
         <p:spPr>
           <a:xfrm>
-            <a:off x="504000" y="369720"/>
-            <a:ext cx="9069840" cy="1248480"/>
+            <a:off x="503640" y="369360"/>
+            <a:ext cx="9068760" cy="1248120"/>
           </a:xfrm>
           <a:prstGeom prst="rect">
             <a:avLst/>
@@ -3352,8 +3352,8 @@
         </p:nvSpPr>
         <p:spPr>
           <a:xfrm>
-            <a:off x="468360" y="1392120"/>
-            <a:ext cx="9069840" cy="3286440"/>
+            <a:off x="468000" y="1391760"/>
+            <a:ext cx="9068760" cy="3285720"/>
           </a:xfrm>
           <a:prstGeom prst="rect">
             <a:avLst/>
@@ -3406,8 +3406,8 @@
         </p:nvSpPr>
         <p:spPr>
           <a:xfrm>
-            <a:off x="1080360" y="3642120"/>
-            <a:ext cx="3958200" cy="344520"/>
+            <a:off x="1080000" y="3641400"/>
+            <a:ext cx="3957480" cy="344160"/>
           </a:xfrm>
           <a:prstGeom prst="rect">
             <a:avLst/>
@@ -3432,8 +3432,8 @@
         </p:nvSpPr>
         <p:spPr>
           <a:xfrm>
-            <a:off x="540000" y="3780000"/>
-            <a:ext cx="3418560" cy="1216440"/>
+            <a:off x="539640" y="3779280"/>
+            <a:ext cx="3417840" cy="1216080"/>
           </a:xfrm>
           <a:prstGeom prst="rect">
             <a:avLst/>
@@ -3458,8 +3458,8 @@
         </p:nvSpPr>
         <p:spPr>
           <a:xfrm>
-            <a:off x="540000" y="4680000"/>
-            <a:ext cx="4335120" cy="259560"/>
+            <a:off x="539640" y="4679280"/>
+            <a:ext cx="4334400" cy="259200"/>
           </a:xfrm>
           <a:prstGeom prst="rect">
             <a:avLst/>
@@ -3549,8 +3549,8 @@
         </p:nvSpPr>
         <p:spPr>
           <a:xfrm>
-            <a:off x="740160" y="4219560"/>
-            <a:ext cx="5538240" cy="1359360"/>
+            <a:off x="739800" y="4218840"/>
+            <a:ext cx="5537520" cy="1359000"/>
           </a:xfrm>
           <a:prstGeom prst="rect">
             <a:avLst/>
@@ -3684,8 +3684,8 @@
         </p:nvSpPr>
         <p:spPr>
           <a:xfrm>
-            <a:off x="2520000" y="1440000"/>
-            <a:ext cx="4138920" cy="1473120"/>
+            <a:off x="2519640" y="1439640"/>
+            <a:ext cx="4138200" cy="1472400"/>
           </a:xfrm>
           <a:prstGeom prst="rect">
             <a:avLst/>
@@ -3793,8 +3793,8 @@
         </p:nvSpPr>
         <p:spPr>
           <a:xfrm>
-            <a:off x="900000" y="3600000"/>
-            <a:ext cx="3958200" cy="344520"/>
+            <a:off x="899640" y="3599280"/>
+            <a:ext cx="3957480" cy="344160"/>
           </a:xfrm>
           <a:prstGeom prst="rect">
             <a:avLst/>
@@ -3819,8 +3819,8 @@
         </p:nvSpPr>
         <p:spPr>
           <a:xfrm>
-            <a:off x="900360" y="374040"/>
-            <a:ext cx="5218200" cy="344520"/>
+            <a:off x="900000" y="373680"/>
+            <a:ext cx="5217480" cy="344160"/>
           </a:xfrm>
           <a:prstGeom prst="rect">
             <a:avLst/>
@@ -3874,8 +3874,8 @@
         </p:nvSpPr>
         <p:spPr>
           <a:xfrm>
-            <a:off x="650520" y="864000"/>
-            <a:ext cx="6118200" cy="4439880"/>
+            <a:off x="650160" y="863640"/>
+            <a:ext cx="6117480" cy="4438800"/>
           </a:xfrm>
           <a:prstGeom prst="rect">
             <a:avLst/>
@@ -3896,7 +3896,7 @@
             <a:noAutofit/>
           </a:bodyPr>
           <a:p>
-            <a:pPr marL="216000" indent="-214560">
+            <a:pPr marL="216000" indent="-214200">
               <a:lnSpc>
                 <a:spcPct val="100000"/>
               </a:lnSpc>
@@ -3937,7 +3937,7 @@
             </a:endParaRPr>
           </a:p>
           <a:p>
-            <a:pPr marL="216000" indent="-214560">
+            <a:pPr marL="216000" indent="-214200">
               <a:lnSpc>
                 <a:spcPct val="100000"/>
               </a:lnSpc>
@@ -3978,7 +3978,7 @@
             </a:endParaRPr>
           </a:p>
           <a:p>
-            <a:pPr marL="216000" indent="-214560">
+            <a:pPr marL="216000" indent="-214200">
               <a:lnSpc>
                 <a:spcPct val="100000"/>
               </a:lnSpc>
@@ -4019,7 +4019,7 @@
             </a:endParaRPr>
           </a:p>
           <a:p>
-            <a:pPr marL="216000" indent="-214560">
+            <a:pPr marL="216000" indent="-214200">
               <a:lnSpc>
                 <a:spcPct val="100000"/>
               </a:lnSpc>
@@ -4060,8 +4060,8 @@
         </p:blipFill>
         <p:spPr>
           <a:xfrm>
-            <a:off x="7020000" y="722520"/>
-            <a:ext cx="2455560" cy="2155680"/>
+            <a:off x="7019280" y="722160"/>
+            <a:ext cx="2455200" cy="2154960"/>
           </a:xfrm>
           <a:prstGeom prst="rect">
             <a:avLst/>
@@ -4083,8 +4083,8 @@
         </p:blipFill>
         <p:spPr>
           <a:xfrm>
-            <a:off x="6660000" y="3240000"/>
-            <a:ext cx="3080880" cy="1618560"/>
+            <a:off x="6659280" y="3239280"/>
+            <a:ext cx="3080160" cy="1617840"/>
           </a:xfrm>
           <a:prstGeom prst="rect">
             <a:avLst/>
@@ -4140,8 +4140,8 @@
         </p:nvSpPr>
         <p:spPr>
           <a:xfrm>
-            <a:off x="900000" y="720000"/>
-            <a:ext cx="4318560" cy="4498920"/>
+            <a:off x="899640" y="719640"/>
+            <a:ext cx="4317840" cy="4497840"/>
           </a:xfrm>
           <a:prstGeom prst="rect">
             <a:avLst/>
@@ -4384,8 +4384,8 @@
         </p:blipFill>
         <p:spPr>
           <a:xfrm>
-            <a:off x="5760000" y="720000"/>
-            <a:ext cx="3834000" cy="1630080"/>
+            <a:off x="5664600" y="719640"/>
+            <a:ext cx="4235400" cy="1800360"/>
           </a:xfrm>
           <a:prstGeom prst="rect">
             <a:avLst/>
@@ -4403,8 +4403,8 @@
         </p:nvSpPr>
         <p:spPr>
           <a:xfrm>
-            <a:off x="6767280" y="2881800"/>
-            <a:ext cx="1793880" cy="708480"/>
+            <a:off x="6226560" y="3061080"/>
+            <a:ext cx="2953440" cy="1078920"/>
           </a:xfrm>
           <a:prstGeom prst="rect">
             <a:avLst/>
@@ -4500,8 +4500,8 @@
         </p:blipFill>
         <p:spPr>
           <a:xfrm>
-            <a:off x="900000" y="696600"/>
-            <a:ext cx="8257320" cy="3801960"/>
+            <a:off x="899640" y="696240"/>
+            <a:ext cx="8256240" cy="3801240"/>
           </a:xfrm>
           <a:prstGeom prst="rect">
             <a:avLst/>
@@ -4523,8 +4523,8 @@
         </p:blipFill>
         <p:spPr>
           <a:xfrm>
-            <a:off x="911160" y="4733280"/>
-            <a:ext cx="5927040" cy="664920"/>
+            <a:off x="910800" y="4732560"/>
+            <a:ext cx="5926320" cy="664560"/>
           </a:xfrm>
           <a:prstGeom prst="rect">
             <a:avLst/>
@@ -4542,8 +4542,8 @@
         </p:nvSpPr>
         <p:spPr>
           <a:xfrm>
-            <a:off x="720000" y="180000"/>
-            <a:ext cx="6658560" cy="344520"/>
+            <a:off x="719640" y="179640"/>
+            <a:ext cx="6657840" cy="344160"/>
           </a:xfrm>
           <a:prstGeom prst="rect">
             <a:avLst/>
@@ -4594,8 +4594,8 @@
         </p:nvSpPr>
         <p:spPr>
           <a:xfrm>
-            <a:off x="1980000" y="1620000"/>
-            <a:ext cx="4318560" cy="358560"/>
+            <a:off x="1979640" y="1619640"/>
+            <a:ext cx="4317840" cy="358200"/>
           </a:xfrm>
           <a:prstGeom prst="rect">
             <a:avLst/>
@@ -4623,8 +4623,8 @@
         </p:nvSpPr>
         <p:spPr>
           <a:xfrm>
-            <a:off x="4500000" y="1620000"/>
-            <a:ext cx="1258560" cy="314640"/>
+            <a:off x="4499640" y="1619640"/>
+            <a:ext cx="1258200" cy="314280"/>
           </a:xfrm>
           <a:prstGeom prst="rect">
             <a:avLst/>
@@ -4698,8 +4698,8 @@
         </p:nvSpPr>
         <p:spPr>
           <a:xfrm>
-            <a:off x="7740000" y="900000"/>
-            <a:ext cx="1417320" cy="1798560"/>
+            <a:off x="7739280" y="899640"/>
+            <a:ext cx="1416960" cy="1797840"/>
           </a:xfrm>
           <a:prstGeom prst="rect">
             <a:avLst/>
@@ -4727,8 +4727,8 @@
         </p:nvSpPr>
         <p:spPr>
           <a:xfrm>
-            <a:off x="6480000" y="5040000"/>
-            <a:ext cx="358560" cy="178560"/>
+            <a:off x="6479280" y="5039280"/>
+            <a:ext cx="358200" cy="178200"/>
           </a:xfrm>
           <a:prstGeom prst="rect">
             <a:avLst/>
@@ -4756,8 +4756,8 @@
         </p:nvSpPr>
         <p:spPr>
           <a:xfrm>
-            <a:off x="7020000" y="5040000"/>
-            <a:ext cx="1978560" cy="224640"/>
+            <a:off x="7019280" y="5039280"/>
+            <a:ext cx="1978200" cy="224280"/>
           </a:xfrm>
           <a:prstGeom prst="rect">
             <a:avLst/>
@@ -4807,8 +4807,8 @@
         </p:nvSpPr>
         <p:spPr>
           <a:xfrm>
-            <a:off x="8460000" y="1312920"/>
-            <a:ext cx="877320" cy="485640"/>
+            <a:off x="8459280" y="1312560"/>
+            <a:ext cx="876960" cy="485280"/>
           </a:xfrm>
           <a:prstGeom prst="rect">
             <a:avLst/>
@@ -4900,8 +4900,8 @@
         </p:blipFill>
         <p:spPr>
           <a:xfrm>
-            <a:off x="720000" y="2515320"/>
-            <a:ext cx="3418560" cy="2343240"/>
+            <a:off x="540000" y="2340000"/>
+            <a:ext cx="4320000" cy="2961000"/>
           </a:xfrm>
           <a:prstGeom prst="rect">
             <a:avLst/>
@@ -4923,8 +4923,8 @@
         </p:blipFill>
         <p:spPr>
           <a:xfrm>
-            <a:off x="5400000" y="1080000"/>
-            <a:ext cx="3142800" cy="1258200"/>
+            <a:off x="5137920" y="900000"/>
+            <a:ext cx="3597120" cy="1440000"/>
           </a:xfrm>
           <a:prstGeom prst="rect">
             <a:avLst/>
@@ -4946,8 +4946,8 @@
         </p:blipFill>
         <p:spPr>
           <a:xfrm>
-            <a:off x="5400000" y="2520000"/>
-            <a:ext cx="3141720" cy="1154520"/>
+            <a:off x="5139000" y="2445840"/>
+            <a:ext cx="3630960" cy="1334160"/>
           </a:xfrm>
           <a:prstGeom prst="rect">
             <a:avLst/>
@@ -4969,8 +4969,8 @@
         </p:blipFill>
         <p:spPr>
           <a:xfrm>
-            <a:off x="5400000" y="3780000"/>
-            <a:ext cx="3174120" cy="1268280"/>
+            <a:off x="5220000" y="3960000"/>
+            <a:ext cx="3603960" cy="1440000"/>
           </a:xfrm>
           <a:prstGeom prst="rect">
             <a:avLst/>
@@ -4992,8 +4992,8 @@
         </p:blipFill>
         <p:spPr>
           <a:xfrm>
-            <a:off x="720000" y="1080000"/>
-            <a:ext cx="3388680" cy="1138680"/>
+            <a:off x="572040" y="841680"/>
+            <a:ext cx="4107960" cy="1380240"/>
           </a:xfrm>
           <a:prstGeom prst="rect">
             <a:avLst/>
@@ -5011,8 +5011,8 @@
         </p:nvSpPr>
         <p:spPr>
           <a:xfrm>
-            <a:off x="720000" y="360000"/>
-            <a:ext cx="3958560" cy="311400"/>
+            <a:off x="719640" y="359640"/>
+            <a:ext cx="3957840" cy="311040"/>
           </a:xfrm>
           <a:prstGeom prst="rect">
             <a:avLst/>
@@ -5066,8 +5066,8 @@
         </p:nvSpPr>
         <p:spPr>
           <a:xfrm>
-            <a:off x="8640000" y="1800000"/>
-            <a:ext cx="898560" cy="600840"/>
+            <a:off x="8769960" y="1800000"/>
+            <a:ext cx="898200" cy="600480"/>
           </a:xfrm>
           <a:prstGeom prst="rect">
             <a:avLst/>
@@ -5094,7 +5094,7 @@
               </a:lnSpc>
             </a:pPr>
             <a:r>
-              <a:rPr b="0" lang="en-GB" sz="1600" spc="-1" strike="noStrike">
+              <a:rPr b="1" lang="en-GB" sz="1600" spc="-1" strike="noStrike">
                 <a:solidFill>
                   <a:srgbClr val="ff3333"/>
                 </a:solidFill>
@@ -5103,7 +5103,7 @@
               </a:rPr>
               <a:t>To Win</a:t>
             </a:r>
-            <a:endParaRPr b="0" lang="en-GB" sz="1600" spc="-1" strike="noStrike">
+            <a:endParaRPr b="1" lang="en-GB" sz="1600" spc="-1" strike="noStrike">
               <a:latin typeface="Arial"/>
             </a:endParaRPr>
           </a:p>
@@ -5117,8 +5117,8 @@
         </p:nvSpPr>
         <p:spPr>
           <a:xfrm>
-            <a:off x="8820000" y="4500000"/>
-            <a:ext cx="718560" cy="224640"/>
+            <a:off x="9000000" y="4500000"/>
+            <a:ext cx="718200" cy="224280"/>
           </a:xfrm>
           <a:prstGeom prst="rect">
             <a:avLst/>
@@ -5145,7 +5145,7 @@
               </a:lnSpc>
             </a:pPr>
             <a:r>
-              <a:rPr b="0" lang="en-GB" sz="1600" spc="-1" strike="noStrike">
+              <a:rPr b="1" lang="en-GB" sz="1600" spc="-1" strike="noStrike">
                 <a:solidFill>
                   <a:srgbClr val="ff3333"/>
                 </a:solidFill>
@@ -5154,7 +5154,7 @@
               </a:rPr>
               <a:t>To Lose</a:t>
             </a:r>
-            <a:endParaRPr b="0" lang="en-GB" sz="1600" spc="-1" strike="noStrike">
+            <a:endParaRPr b="1" lang="en-GB" sz="1600" spc="-1" strike="noStrike">
               <a:latin typeface="Arial"/>
             </a:endParaRPr>
           </a:p>
@@ -5168,8 +5168,8 @@
         </p:nvSpPr>
         <p:spPr>
           <a:xfrm>
-            <a:off x="8640000" y="3060000"/>
-            <a:ext cx="1078560" cy="600840"/>
+            <a:off x="8769960" y="3060000"/>
+            <a:ext cx="1078200" cy="600480"/>
           </a:xfrm>
           <a:prstGeom prst="rect">
             <a:avLst/>
@@ -5196,7 +5196,7 @@
               </a:lnSpc>
             </a:pPr>
             <a:r>
-              <a:rPr b="0" lang="en-GB" sz="1600" spc="-1" strike="noStrike">
+              <a:rPr b="1" lang="en-GB" sz="1600" spc="-1" strike="noStrike">
                 <a:solidFill>
                   <a:srgbClr val="ff3333"/>
                 </a:solidFill>
@@ -5205,7 +5205,7 @@
               </a:rPr>
               <a:t>To Draw</a:t>
             </a:r>
-            <a:endParaRPr b="0" lang="en-GB" sz="1600" spc="-1" strike="noStrike">
+            <a:endParaRPr b="1" lang="en-GB" sz="1600" spc="-1" strike="noStrike">
               <a:latin typeface="Arial"/>
             </a:endParaRPr>
           </a:p>
@@ -5223,8 +5223,8 @@
         </p:blipFill>
         <p:spPr>
           <a:xfrm>
-            <a:off x="8820000" y="3420000"/>
-            <a:ext cx="649800" cy="745920"/>
+            <a:off x="8890560" y="3419280"/>
+            <a:ext cx="649440" cy="745560"/>
           </a:xfrm>
           <a:prstGeom prst="rect">
             <a:avLst/>
@@ -5284,8 +5284,8 @@
         </p:blipFill>
         <p:spPr>
           <a:xfrm>
-            <a:off x="173160" y="900000"/>
-            <a:ext cx="5045040" cy="1701720"/>
+            <a:off x="172800" y="720000"/>
+            <a:ext cx="5044320" cy="1980000"/>
           </a:xfrm>
           <a:prstGeom prst="rect">
             <a:avLst/>
@@ -5307,8 +5307,8 @@
         </p:blipFill>
         <p:spPr>
           <a:xfrm>
-            <a:off x="5760000" y="900000"/>
-            <a:ext cx="3958200" cy="1759320"/>
+            <a:off x="5355000" y="720000"/>
+            <a:ext cx="4361760" cy="1938240"/>
           </a:xfrm>
           <a:prstGeom prst="rect">
             <a:avLst/>
@@ -5330,8 +5330,8 @@
         </p:blipFill>
         <p:spPr>
           <a:xfrm>
-            <a:off x="173160" y="3060000"/>
-            <a:ext cx="5045400" cy="1618560"/>
+            <a:off x="172800" y="2880000"/>
+            <a:ext cx="5044680" cy="1797120"/>
           </a:xfrm>
           <a:prstGeom prst="rect">
             <a:avLst/>
@@ -5353,8 +5353,8 @@
         </p:blipFill>
         <p:spPr>
           <a:xfrm>
-            <a:off x="5760000" y="3060000"/>
-            <a:ext cx="4008240" cy="1618200"/>
+            <a:off x="5307840" y="2880000"/>
+            <a:ext cx="4459680" cy="1800000"/>
           </a:xfrm>
           <a:prstGeom prst="rect">
             <a:avLst/>
@@ -5372,8 +5372,8 @@
         </p:nvSpPr>
         <p:spPr>
           <a:xfrm>
-            <a:off x="540000" y="180000"/>
-            <a:ext cx="4498560" cy="812520"/>
+            <a:off x="539640" y="179640"/>
+            <a:ext cx="4497840" cy="812160"/>
           </a:xfrm>
           <a:prstGeom prst="rect">
             <a:avLst/>
@@ -5438,8 +5438,8 @@
         </p:blipFill>
         <p:spPr>
           <a:xfrm>
-            <a:off x="7740000" y="4832640"/>
-            <a:ext cx="649800" cy="745920"/>
+            <a:off x="7739280" y="4831920"/>
+            <a:ext cx="649440" cy="745560"/>
           </a:xfrm>
           <a:prstGeom prst="rect">
             <a:avLst/>
@@ -5499,8 +5499,8 @@
         </p:blipFill>
         <p:spPr>
           <a:xfrm>
-            <a:off x="1440000" y="1080000"/>
-            <a:ext cx="6797880" cy="3418560"/>
+            <a:off x="1439640" y="1079640"/>
+            <a:ext cx="6797160" cy="3417840"/>
           </a:xfrm>
           <a:prstGeom prst="rect">
             <a:avLst/>
@@ -5518,8 +5518,8 @@
         </p:nvSpPr>
         <p:spPr>
           <a:xfrm>
-            <a:off x="1440000" y="360000"/>
-            <a:ext cx="4498560" cy="812520"/>
+            <a:off x="1439640" y="359640"/>
+            <a:ext cx="4497840" cy="812160"/>
           </a:xfrm>
           <a:prstGeom prst="rect">
             <a:avLst/>
@@ -5584,8 +5584,8 @@
         </p:blipFill>
         <p:spPr>
           <a:xfrm>
-            <a:off x="8443080" y="2160000"/>
-            <a:ext cx="1265040" cy="718560"/>
+            <a:off x="8442360" y="2159640"/>
+            <a:ext cx="1264680" cy="718200"/>
           </a:xfrm>
           <a:prstGeom prst="rect">
             <a:avLst/>
@@ -5645,8 +5645,8 @@
         </p:blipFill>
         <p:spPr>
           <a:xfrm>
-            <a:off x="2147400" y="540360"/>
-            <a:ext cx="5951160" cy="3238200"/>
+            <a:off x="2147040" y="540000"/>
+            <a:ext cx="5950440" cy="3237480"/>
           </a:xfrm>
           <a:prstGeom prst="rect">
             <a:avLst/>
@@ -5668,8 +5668,8 @@
         </p:blipFill>
         <p:spPr>
           <a:xfrm>
-            <a:off x="669960" y="3960000"/>
-            <a:ext cx="3648600" cy="1286280"/>
+            <a:off x="669600" y="3959280"/>
+            <a:ext cx="3647880" cy="1285920"/>
           </a:xfrm>
           <a:prstGeom prst="rect">
             <a:avLst/>
@@ -5691,8 +5691,8 @@
         </p:blipFill>
         <p:spPr>
           <a:xfrm>
-            <a:off x="5915160" y="3922560"/>
-            <a:ext cx="3623400" cy="1296000"/>
+            <a:off x="5914440" y="3921840"/>
+            <a:ext cx="3622680" cy="1295640"/>
           </a:xfrm>
           <a:prstGeom prst="rect">
             <a:avLst/>
@@ -5710,8 +5710,8 @@
         </p:nvSpPr>
         <p:spPr>
           <a:xfrm>
-            <a:off x="540000" y="360360"/>
-            <a:ext cx="4498560" cy="812520"/>
+            <a:off x="539640" y="360000"/>
+            <a:ext cx="4497840" cy="812160"/>
           </a:xfrm>
           <a:prstGeom prst="rect">
             <a:avLst/>
@@ -5772,8 +5772,8 @@
         </p:nvSpPr>
         <p:spPr>
           <a:xfrm>
-            <a:off x="3780000" y="540360"/>
-            <a:ext cx="358560" cy="3238200"/>
+            <a:off x="3779640" y="540000"/>
+            <a:ext cx="358200" cy="3237480"/>
           </a:xfrm>
           <a:prstGeom prst="rect">
             <a:avLst/>
@@ -5801,8 +5801,8 @@
         </p:nvSpPr>
         <p:spPr>
           <a:xfrm>
-            <a:off x="5940000" y="540000"/>
-            <a:ext cx="358560" cy="3238200"/>
+            <a:off x="5939280" y="539640"/>
+            <a:ext cx="358200" cy="3237480"/>
           </a:xfrm>
           <a:prstGeom prst="rect">
             <a:avLst/>
@@ -5830,8 +5830,8 @@
         </p:nvSpPr>
         <p:spPr>
           <a:xfrm>
-            <a:off x="6840000" y="540360"/>
-            <a:ext cx="358560" cy="3238200"/>
+            <a:off x="6839280" y="540000"/>
+            <a:ext cx="358200" cy="3237480"/>
           </a:xfrm>
           <a:prstGeom prst="rect">
             <a:avLst/>
@@ -5859,8 +5859,8 @@
         </p:nvSpPr>
         <p:spPr>
           <a:xfrm>
-            <a:off x="1080000" y="4680000"/>
-            <a:ext cx="2878560" cy="566280"/>
+            <a:off x="1079640" y="4679280"/>
+            <a:ext cx="2877840" cy="565920"/>
           </a:xfrm>
           <a:prstGeom prst="ellipse">
             <a:avLst/>
@@ -5890,8 +5890,8 @@
         </p:nvSpPr>
         <p:spPr>
           <a:xfrm>
-            <a:off x="6300000" y="3960000"/>
-            <a:ext cx="2878560" cy="1258560"/>
+            <a:off x="6299280" y="3959280"/>
+            <a:ext cx="2877840" cy="1258200"/>
           </a:xfrm>
           <a:prstGeom prst="ellipse">
             <a:avLst/>
@@ -5920,9 +5920,9 @@
           <p:nvPr/>
         </p:nvSpPr>
         <p:spPr>
-          <a:xfrm rot="16192200">
-            <a:off x="2250360" y="4797000"/>
-            <a:ext cx="538560" cy="358560"/>
+          <a:xfrm rot="16193400">
+            <a:off x="2250000" y="4796640"/>
+            <a:ext cx="538200" cy="358200"/>
           </a:xfrm>
           <a:custGeom>
             <a:avLst/>
@@ -5996,8 +5996,8 @@
         </p:blipFill>
         <p:spPr>
           <a:xfrm>
-            <a:off x="669960" y="3695760"/>
-            <a:ext cx="948600" cy="262800"/>
+            <a:off x="669600" y="3695040"/>
+            <a:ext cx="948240" cy="262440"/>
           </a:xfrm>
           <a:prstGeom prst="rect">
             <a:avLst/>
@@ -6019,8 +6019,8 @@
         </p:blipFill>
         <p:spPr>
           <a:xfrm>
-            <a:off x="8687160" y="3658320"/>
-            <a:ext cx="851400" cy="262800"/>
+            <a:off x="8686440" y="3657600"/>
+            <a:ext cx="851040" cy="262440"/>
           </a:xfrm>
           <a:prstGeom prst="rect">
             <a:avLst/>
@@ -6038,8 +6038,8 @@
         </p:nvSpPr>
         <p:spPr>
           <a:xfrm rot="16192200">
-            <a:off x="7106760" y="4374360"/>
-            <a:ext cx="1258920" cy="358560"/>
+            <a:off x="7105680" y="4374000"/>
+            <a:ext cx="1258560" cy="358200"/>
           </a:xfrm>
           <a:custGeom>
             <a:avLst/>
@@ -6109,8 +6109,8 @@
         </p:nvSpPr>
         <p:spPr>
           <a:xfrm>
-            <a:off x="5940000" y="540000"/>
-            <a:ext cx="358560" cy="1978560"/>
+            <a:off x="5939280" y="539640"/>
+            <a:ext cx="358200" cy="1977840"/>
           </a:xfrm>
           <a:prstGeom prst="rect">
             <a:avLst/>
@@ -6140,8 +6140,8 @@
         </p:nvSpPr>
         <p:spPr>
           <a:xfrm rot="10798800">
-            <a:off x="4501080" y="3960000"/>
-            <a:ext cx="1258560" cy="1078560"/>
+            <a:off x="4501080" y="3959280"/>
+            <a:ext cx="1258200" cy="1078200"/>
           </a:xfrm>
           <a:custGeom>
             <a:avLst/>
@@ -6303,8 +6303,8 @@
         </p:nvSpPr>
         <p:spPr>
           <a:xfrm>
-            <a:off x="504000" y="226080"/>
-            <a:ext cx="9069840" cy="944640"/>
+            <a:off x="503640" y="225720"/>
+            <a:ext cx="9068760" cy="944280"/>
           </a:xfrm>
           <a:prstGeom prst="rect">
             <a:avLst/>
@@ -6358,8 +6358,8 @@
         </p:nvSpPr>
         <p:spPr>
           <a:xfrm>
-            <a:off x="504000" y="1326600"/>
-            <a:ext cx="9069840" cy="3286440"/>
+            <a:off x="503640" y="1326240"/>
+            <a:ext cx="9068760" cy="3285720"/>
           </a:xfrm>
           <a:prstGeom prst="rect">
             <a:avLst/>
@@ -6388,8 +6388,8 @@
         </p:blipFill>
         <p:spPr>
           <a:xfrm>
-            <a:off x="2541240" y="3240000"/>
-            <a:ext cx="4657680" cy="1906560"/>
+            <a:off x="2540880" y="3239280"/>
+            <a:ext cx="4656960" cy="1905840"/>
           </a:xfrm>
           <a:prstGeom prst="rect">
             <a:avLst/>
@@ -6407,8 +6407,8 @@
         </p:nvSpPr>
         <p:spPr>
           <a:xfrm>
-            <a:off x="720000" y="1260000"/>
-            <a:ext cx="8458920" cy="1798920"/>
+            <a:off x="719640" y="1259640"/>
+            <a:ext cx="8457840" cy="1798200"/>
           </a:xfrm>
           <a:prstGeom prst="rect">
             <a:avLst/>
@@ -6442,7 +6442,7 @@
               </a:tabLst>
             </a:pPr>
             <a:r>
-              <a:rPr b="0" lang="en-GB" sz="1500" spc="-1" strike="noStrike">
+              <a:rPr b="1" lang="en-GB" sz="1500" spc="-1" strike="noStrike">
                 <a:solidFill>
                   <a:srgbClr val="ffffff"/>
                 </a:solidFill>
@@ -6451,7 +6451,7 @@
               </a:rPr>
               <a:t>Sports Betting is unpredictable and</a:t>
             </a:r>
-            <a:endParaRPr b="0" lang="en-GB" sz="1500" spc="-1" strike="noStrike">
+            <a:endParaRPr b="1" lang="en-GB" sz="1500" spc="-1" strike="noStrike">
               <a:latin typeface="Arial"/>
             </a:endParaRPr>
           </a:p>
@@ -6465,7 +6465,7 @@
               </a:tabLst>
             </a:pPr>
             <a:r>
-              <a:rPr b="0" lang="en-GB" sz="1500" spc="-1" strike="noStrike">
+              <a:rPr b="1" lang="en-GB" sz="1500" spc="-1" strike="noStrike">
                 <a:solidFill>
                   <a:srgbClr val="ffffff"/>
                 </a:solidFill>
@@ -6474,7 +6474,7 @@
               </a:rPr>
               <a:t>the markets are well controlled to guarantee a profit for the bookmakers.</a:t>
             </a:r>
-            <a:endParaRPr b="0" lang="en-GB" sz="1500" spc="-1" strike="noStrike">
+            <a:endParaRPr b="1" lang="en-GB" sz="1500" spc="-1" strike="noStrike">
               <a:latin typeface="Arial"/>
             </a:endParaRPr>
           </a:p>
@@ -6487,7 +6487,7 @@
                 <a:tab algn="l" pos="408240"/>
               </a:tabLst>
             </a:pPr>
-            <a:endParaRPr b="0" lang="en-GB" sz="1500" spc="-1" strike="noStrike">
+            <a:endParaRPr b="1" lang="en-GB" sz="1500" spc="-1" strike="noStrike">
               <a:latin typeface="Arial"/>
             </a:endParaRPr>
           </a:p>
@@ -6501,7 +6501,7 @@
               </a:tabLst>
             </a:pPr>
             <a:r>
-              <a:rPr b="0" lang="en-GB" sz="1500" spc="-1" strike="noStrike">
+              <a:rPr b="1" lang="en-GB" sz="1500" spc="-1" strike="noStrike">
                 <a:solidFill>
                   <a:srgbClr val="ffffff"/>
                 </a:solidFill>
@@ -6510,7 +6510,7 @@
               </a:rPr>
               <a:t>Well known teams are statistically less likely to give you a return on your investment than less popular teams over the short and long term.</a:t>
             </a:r>
-            <a:endParaRPr b="0" lang="en-GB" sz="1500" spc="-1" strike="noStrike">
+            <a:endParaRPr b="1" lang="en-GB" sz="1500" spc="-1" strike="noStrike">
               <a:latin typeface="Arial"/>
             </a:endParaRPr>
           </a:p>
@@ -6523,7 +6523,7 @@
                 <a:tab algn="l" pos="408240"/>
               </a:tabLst>
             </a:pPr>
-            <a:endParaRPr b="0" lang="en-GB" sz="1500" spc="-1" strike="noStrike">
+            <a:endParaRPr b="1" lang="en-GB" sz="1500" spc="-1" strike="noStrike">
               <a:latin typeface="Arial"/>
             </a:endParaRPr>
           </a:p>
@@ -6537,7 +6537,7 @@
               </a:tabLst>
             </a:pPr>
             <a:r>
-              <a:rPr b="0" lang="en-GB" sz="1500" spc="-1" strike="noStrike">
+              <a:rPr b="1" lang="en-GB" sz="1500" spc="-1" strike="noStrike">
                 <a:solidFill>
                   <a:srgbClr val="ffffff"/>
                 </a:solidFill>
@@ -6546,7 +6546,7 @@
               </a:rPr>
               <a:t>Of the areas analysed, points betting in the NBA is where more correlations are present between each teams recent form and their final results.</a:t>
             </a:r>
-            <a:endParaRPr b="0" lang="en-GB" sz="1500" spc="-1" strike="noStrike">
+            <a:endParaRPr b="1" lang="en-GB" sz="1500" spc="-1" strike="noStrike">
               <a:latin typeface="Arial"/>
             </a:endParaRPr>
           </a:p>
